--- a/TG3_final.pptx
+++ b/TG3_final.pptx
@@ -12,9 +12,11 @@
     <p:sldId id="260" r:id="rId6"/>
     <p:sldId id="261" r:id="rId7"/>
     <p:sldId id="262" r:id="rId8"/>
-    <p:sldId id="263" r:id="rId9"/>
-    <p:sldId id="264" r:id="rId10"/>
-    <p:sldId id="265" r:id="rId11"/>
+    <p:sldId id="266" r:id="rId9"/>
+    <p:sldId id="267" r:id="rId10"/>
+    <p:sldId id="263" r:id="rId11"/>
+    <p:sldId id="264" r:id="rId12"/>
+    <p:sldId id="265" r:id="rId13"/>
   </p:sldIdLst>
   <p:sldSz cx="12192000" cy="6858000"/>
   <p:notesSz cx="6858000" cy="9144000"/>
@@ -113,6 +115,11 @@
       </a:defRPr>
     </a:lvl9pPr>
   </p:defaultTextStyle>
+  <p:extLst>
+    <p:ext uri="{EFAFB233-063F-42B5-8137-9DF3F51BA10A}">
+      <p15:sldGuideLst xmlns:p15="http://schemas.microsoft.com/office/powerpoint/2012/main"/>
+    </p:ext>
+  </p:extLst>
 </p:presentation>
 </file>
 
@@ -162,7 +169,7 @@
           </a:lstStyle>
           <a:p>
             <a:r>
-              <a:rPr lang="es-ES" smtClean="0"/>
+              <a:rPr lang="es-ES"/>
               <a:t>Haga clic para modificar el estilo de título del patrón</a:t>
             </a:r>
             <a:endParaRPr lang="en-US" dirty="0"/>
@@ -283,7 +290,7 @@
           </a:lstStyle>
           <a:p>
             <a:r>
-              <a:rPr lang="es-ES" smtClean="0"/>
+              <a:rPr lang="es-ES"/>
               <a:t>Haga clic para modificar el estilo de subtítulo del patrón</a:t>
             </a:r>
             <a:endParaRPr lang="en-US" dirty="0"/>
@@ -573,7 +580,7 @@
           <a:lstStyle/>
           <a:p>
             <a:r>
-              <a:rPr lang="es-ES" smtClean="0"/>
+              <a:rPr lang="es-ES"/>
               <a:t>Haga clic para modificar el estilo de título del patrón</a:t>
             </a:r>
             <a:endParaRPr lang="en-US" dirty="0"/>
@@ -660,7 +667,7 @@
           </a:lstStyle>
           <a:p>
             <a:r>
-              <a:rPr lang="es-ES" smtClean="0"/>
+              <a:rPr lang="es-ES"/>
               <a:t>Haga clic en el icono para agregar una imagen</a:t>
             </a:r>
             <a:endParaRPr lang="en-US" dirty="0"/>
@@ -717,7 +724,7 @@
           <a:p>
             <a:pPr lvl="0"/>
             <a:r>
-              <a:rPr lang="es-ES" smtClean="0"/>
+              <a:rPr lang="es-ES"/>
               <a:t>Haga clic para modificar el estilo de texto del patrón</a:t>
             </a:r>
           </a:p>
@@ -842,7 +849,7 @@
           </a:lstStyle>
           <a:p>
             <a:r>
-              <a:rPr lang="es-ES" smtClean="0"/>
+              <a:rPr lang="es-ES"/>
               <a:t>Haga clic para modificar el estilo de título del patrón</a:t>
             </a:r>
             <a:endParaRPr lang="en-US" dirty="0"/>
@@ -964,7 +971,7 @@
           <a:p>
             <a:pPr lvl="0"/>
             <a:r>
-              <a:rPr lang="es-ES" smtClean="0"/>
+              <a:rPr lang="es-ES"/>
               <a:t>Haga clic para modificar el estilo de texto del patrón</a:t>
             </a:r>
           </a:p>
@@ -1093,7 +1100,7 @@
           </a:lstStyle>
           <a:p>
             <a:r>
-              <a:rPr lang="es-ES" smtClean="0"/>
+              <a:rPr lang="es-ES"/>
               <a:t>Haga clic para modificar el estilo de título del patrón</a:t>
             </a:r>
             <a:endParaRPr lang="en-US" dirty="0"/>
@@ -1148,7 +1155,7 @@
           <a:p>
             <a:pPr lvl="0"/>
             <a:r>
-              <a:rPr lang="es-ES" smtClean="0"/>
+              <a:rPr lang="es-ES"/>
               <a:t>Haga clic para modificar el estilo de texto del patrón</a:t>
             </a:r>
           </a:p>
@@ -1269,7 +1276,7 @@
           <a:p>
             <a:pPr lvl="0"/>
             <a:r>
-              <a:rPr lang="es-ES" smtClean="0"/>
+              <a:rPr lang="es-ES"/>
               <a:t>Haga clic para modificar el estilo de texto del patrón</a:t>
             </a:r>
           </a:p>
@@ -1462,7 +1469,7 @@
           </a:lstStyle>
           <a:p>
             <a:r>
-              <a:rPr lang="es-ES" smtClean="0"/>
+              <a:rPr lang="es-ES"/>
               <a:t>Haga clic para modificar el estilo de título del patrón</a:t>
             </a:r>
             <a:endParaRPr lang="en-US" dirty="0"/>
@@ -1584,7 +1591,7 @@
           <a:p>
             <a:pPr lvl="0"/>
             <a:r>
-              <a:rPr lang="es-ES" smtClean="0"/>
+              <a:rPr lang="es-ES"/>
               <a:t>Haga clic para modificar el estilo de texto del patrón</a:t>
             </a:r>
           </a:p>
@@ -1713,7 +1720,7 @@
           </a:lstStyle>
           <a:p>
             <a:r>
-              <a:rPr lang="es-ES" smtClean="0"/>
+              <a:rPr lang="es-ES"/>
               <a:t>Haga clic para modificar el estilo de título del patrón</a:t>
             </a:r>
             <a:endParaRPr lang="en-US" dirty="0"/>
@@ -1762,7 +1769,7 @@
               <a:buNone/>
             </a:pPr>
             <a:r>
-              <a:rPr lang="es-ES" smtClean="0"/>
+              <a:rPr lang="es-ES"/>
               <a:t>Haga clic para modificar el estilo de texto del patrón</a:t>
             </a:r>
           </a:p>
@@ -1883,7 +1890,7 @@
           <a:p>
             <a:pPr lvl="0"/>
             <a:r>
-              <a:rPr lang="es-ES" smtClean="0"/>
+              <a:rPr lang="es-ES"/>
               <a:t>Haga clic para modificar el estilo de texto del patrón</a:t>
             </a:r>
           </a:p>
@@ -2077,7 +2084,7 @@
           <a:p>
             <a:pPr marL="0" lvl="0"/>
             <a:r>
-              <a:rPr lang="es-ES" smtClean="0"/>
+              <a:rPr lang="es-ES"/>
               <a:t>Haga clic para modificar el estilo de título del patrón</a:t>
             </a:r>
             <a:endParaRPr lang="en-US" dirty="0"/>
@@ -2126,7 +2133,7 @@
               <a:buNone/>
             </a:pPr>
             <a:r>
-              <a:rPr lang="es-ES" smtClean="0"/>
+              <a:rPr lang="es-ES"/>
               <a:t>Haga clic para modificar el estilo de texto del patrón</a:t>
             </a:r>
           </a:p>
@@ -2247,7 +2254,7 @@
           <a:p>
             <a:pPr lvl="0"/>
             <a:r>
-              <a:rPr lang="es-ES" smtClean="0"/>
+              <a:rPr lang="es-ES"/>
               <a:t>Haga clic para modificar el estilo de texto del patrón</a:t>
             </a:r>
           </a:p>
@@ -2365,7 +2372,7 @@
           </a:lstStyle>
           <a:p>
             <a:r>
-              <a:rPr lang="es-ES" smtClean="0"/>
+              <a:rPr lang="es-ES"/>
               <a:t>Haga clic para modificar el estilo de título del patrón</a:t>
             </a:r>
             <a:endParaRPr lang="en-US" dirty="0"/>
@@ -2389,35 +2396,35 @@
           <a:p>
             <a:pPr lvl="0"/>
             <a:r>
-              <a:rPr lang="es-ES" smtClean="0"/>
+              <a:rPr lang="es-ES"/>
               <a:t>Haga clic para modificar el estilo de texto del patrón</a:t>
             </a:r>
           </a:p>
           <a:p>
             <a:pPr lvl="1"/>
             <a:r>
-              <a:rPr lang="es-ES" smtClean="0"/>
+              <a:rPr lang="es-ES"/>
               <a:t>Segundo nivel</a:t>
             </a:r>
           </a:p>
           <a:p>
             <a:pPr lvl="2"/>
             <a:r>
-              <a:rPr lang="es-ES" smtClean="0"/>
+              <a:rPr lang="es-ES"/>
               <a:t>Tercer nivel</a:t>
             </a:r>
           </a:p>
           <a:p>
             <a:pPr lvl="3"/>
             <a:r>
-              <a:rPr lang="es-ES" smtClean="0"/>
+              <a:rPr lang="es-ES"/>
               <a:t>Cuarto nivel</a:t>
             </a:r>
           </a:p>
           <a:p>
             <a:pPr lvl="4"/>
             <a:r>
-              <a:rPr lang="es-ES" smtClean="0"/>
+              <a:rPr lang="es-ES"/>
               <a:t>Quinto nivel</a:t>
             </a:r>
             <a:endParaRPr lang="en-US" dirty="0"/>
@@ -2537,7 +2544,7 @@
           <a:lstStyle/>
           <a:p>
             <a:r>
-              <a:rPr lang="es-ES" smtClean="0"/>
+              <a:rPr lang="es-ES"/>
               <a:t>Haga clic para modificar el estilo de título del patrón</a:t>
             </a:r>
             <a:endParaRPr lang="en-US" dirty="0"/>
@@ -2566,35 +2573,35 @@
           <a:p>
             <a:pPr lvl="0"/>
             <a:r>
-              <a:rPr lang="es-ES" smtClean="0"/>
+              <a:rPr lang="es-ES"/>
               <a:t>Haga clic para modificar el estilo de texto del patrón</a:t>
             </a:r>
           </a:p>
           <a:p>
             <a:pPr lvl="1"/>
             <a:r>
-              <a:rPr lang="es-ES" smtClean="0"/>
+              <a:rPr lang="es-ES"/>
               <a:t>Segundo nivel</a:t>
             </a:r>
           </a:p>
           <a:p>
             <a:pPr lvl="2"/>
             <a:r>
-              <a:rPr lang="es-ES" smtClean="0"/>
+              <a:rPr lang="es-ES"/>
               <a:t>Tercer nivel</a:t>
             </a:r>
           </a:p>
           <a:p>
             <a:pPr lvl="3"/>
             <a:r>
-              <a:rPr lang="es-ES" smtClean="0"/>
+              <a:rPr lang="es-ES"/>
               <a:t>Cuarto nivel</a:t>
             </a:r>
           </a:p>
           <a:p>
             <a:pPr lvl="4"/>
             <a:r>
-              <a:rPr lang="es-ES" smtClean="0"/>
+              <a:rPr lang="es-ES"/>
               <a:t>Quinto nivel</a:t>
             </a:r>
             <a:endParaRPr lang="en-US" dirty="0"/>
@@ -2709,7 +2716,7 @@
           <a:lstStyle/>
           <a:p>
             <a:r>
-              <a:rPr lang="es-ES" smtClean="0"/>
+              <a:rPr lang="es-ES"/>
               <a:t>Haga clic para modificar el estilo de título del patrón</a:t>
             </a:r>
             <a:endParaRPr lang="en-US" dirty="0"/>
@@ -2733,35 +2740,35 @@
           <a:p>
             <a:pPr lvl="0"/>
             <a:r>
-              <a:rPr lang="es-ES" smtClean="0"/>
+              <a:rPr lang="es-ES"/>
               <a:t>Haga clic para modificar el estilo de texto del patrón</a:t>
             </a:r>
           </a:p>
           <a:p>
             <a:pPr lvl="1"/>
             <a:r>
-              <a:rPr lang="es-ES" smtClean="0"/>
+              <a:rPr lang="es-ES"/>
               <a:t>Segundo nivel</a:t>
             </a:r>
           </a:p>
           <a:p>
             <a:pPr lvl="2"/>
             <a:r>
-              <a:rPr lang="es-ES" smtClean="0"/>
+              <a:rPr lang="es-ES"/>
               <a:t>Tercer nivel</a:t>
             </a:r>
           </a:p>
           <a:p>
             <a:pPr lvl="3"/>
             <a:r>
-              <a:rPr lang="es-ES" smtClean="0"/>
+              <a:rPr lang="es-ES"/>
               <a:t>Cuarto nivel</a:t>
             </a:r>
           </a:p>
           <a:p>
             <a:pPr lvl="4"/>
             <a:r>
-              <a:rPr lang="es-ES" smtClean="0"/>
+              <a:rPr lang="es-ES"/>
               <a:t>Quinto nivel</a:t>
             </a:r>
             <a:endParaRPr lang="en-US" dirty="0"/>
@@ -2887,7 +2894,7 @@
           </a:lstStyle>
           <a:p>
             <a:r>
-              <a:rPr lang="es-ES" smtClean="0"/>
+              <a:rPr lang="es-ES"/>
               <a:t>Haga clic para modificar el estilo de título del patrón</a:t>
             </a:r>
             <a:endParaRPr lang="en-US" dirty="0"/>
@@ -3009,7 +3016,7 @@
           <a:p>
             <a:pPr lvl="0"/>
             <a:r>
-              <a:rPr lang="es-ES" smtClean="0"/>
+              <a:rPr lang="es-ES"/>
               <a:t>Haga clic para modificar el estilo de texto del patrón</a:t>
             </a:r>
           </a:p>
@@ -3123,7 +3130,7 @@
           <a:lstStyle/>
           <a:p>
             <a:r>
-              <a:rPr lang="es-ES" smtClean="0"/>
+              <a:rPr lang="es-ES"/>
               <a:t>Haga clic para modificar el estilo de título del patrón</a:t>
             </a:r>
             <a:endParaRPr lang="en-US" dirty="0"/>
@@ -3154,35 +3161,35 @@
           <a:p>
             <a:pPr lvl="0"/>
             <a:r>
-              <a:rPr lang="es-ES" smtClean="0"/>
+              <a:rPr lang="es-ES"/>
               <a:t>Haga clic para modificar el estilo de texto del patrón</a:t>
             </a:r>
           </a:p>
           <a:p>
             <a:pPr lvl="1"/>
             <a:r>
-              <a:rPr lang="es-ES" smtClean="0"/>
+              <a:rPr lang="es-ES"/>
               <a:t>Segundo nivel</a:t>
             </a:r>
           </a:p>
           <a:p>
             <a:pPr lvl="2"/>
             <a:r>
-              <a:rPr lang="es-ES" smtClean="0"/>
+              <a:rPr lang="es-ES"/>
               <a:t>Tercer nivel</a:t>
             </a:r>
           </a:p>
           <a:p>
             <a:pPr lvl="3"/>
             <a:r>
-              <a:rPr lang="es-ES" smtClean="0"/>
+              <a:rPr lang="es-ES"/>
               <a:t>Cuarto nivel</a:t>
             </a:r>
           </a:p>
           <a:p>
             <a:pPr lvl="4"/>
             <a:r>
-              <a:rPr lang="es-ES" smtClean="0"/>
+              <a:rPr lang="es-ES"/>
               <a:t>Quinto nivel</a:t>
             </a:r>
             <a:endParaRPr lang="en-US" dirty="0"/>
@@ -3213,35 +3220,35 @@
           <a:p>
             <a:pPr lvl="0"/>
             <a:r>
-              <a:rPr lang="es-ES" smtClean="0"/>
+              <a:rPr lang="es-ES"/>
               <a:t>Haga clic para modificar el estilo de texto del patrón</a:t>
             </a:r>
           </a:p>
           <a:p>
             <a:pPr lvl="1"/>
             <a:r>
-              <a:rPr lang="es-ES" smtClean="0"/>
+              <a:rPr lang="es-ES"/>
               <a:t>Segundo nivel</a:t>
             </a:r>
           </a:p>
           <a:p>
             <a:pPr lvl="2"/>
             <a:r>
-              <a:rPr lang="es-ES" smtClean="0"/>
+              <a:rPr lang="es-ES"/>
               <a:t>Tercer nivel</a:t>
             </a:r>
           </a:p>
           <a:p>
             <a:pPr lvl="3"/>
             <a:r>
-              <a:rPr lang="es-ES" smtClean="0"/>
+              <a:rPr lang="es-ES"/>
               <a:t>Cuarto nivel</a:t>
             </a:r>
           </a:p>
           <a:p>
             <a:pPr lvl="4"/>
             <a:r>
-              <a:rPr lang="es-ES" smtClean="0"/>
+              <a:rPr lang="es-ES"/>
               <a:t>Quinto nivel</a:t>
             </a:r>
             <a:endParaRPr lang="en-US" dirty="0"/>
@@ -3360,7 +3367,7 @@
           </a:lstStyle>
           <a:p>
             <a:r>
-              <a:rPr lang="es-ES" smtClean="0"/>
+              <a:rPr lang="es-ES"/>
               <a:t>Haga clic para modificar el estilo de título del patrón</a:t>
             </a:r>
             <a:endParaRPr lang="en-US" dirty="0"/>
@@ -3432,7 +3439,7 @@
           <a:p>
             <a:pPr lvl="0"/>
             <a:r>
-              <a:rPr lang="es-ES" smtClean="0"/>
+              <a:rPr lang="es-ES"/>
               <a:t>Haga clic para modificar el estilo de texto del patrón</a:t>
             </a:r>
           </a:p>
@@ -3462,35 +3469,35 @@
           <a:p>
             <a:pPr lvl="0"/>
             <a:r>
-              <a:rPr lang="es-ES" smtClean="0"/>
+              <a:rPr lang="es-ES"/>
               <a:t>Haga clic para modificar el estilo de texto del patrón</a:t>
             </a:r>
           </a:p>
           <a:p>
             <a:pPr lvl="1"/>
             <a:r>
-              <a:rPr lang="es-ES" smtClean="0"/>
+              <a:rPr lang="es-ES"/>
               <a:t>Segundo nivel</a:t>
             </a:r>
           </a:p>
           <a:p>
             <a:pPr lvl="2"/>
             <a:r>
-              <a:rPr lang="es-ES" smtClean="0"/>
+              <a:rPr lang="es-ES"/>
               <a:t>Tercer nivel</a:t>
             </a:r>
           </a:p>
           <a:p>
             <a:pPr lvl="3"/>
             <a:r>
-              <a:rPr lang="es-ES" smtClean="0"/>
+              <a:rPr lang="es-ES"/>
               <a:t>Cuarto nivel</a:t>
             </a:r>
           </a:p>
           <a:p>
             <a:pPr lvl="4"/>
             <a:r>
-              <a:rPr lang="es-ES" smtClean="0"/>
+              <a:rPr lang="es-ES"/>
               <a:t>Quinto nivel</a:t>
             </a:r>
             <a:endParaRPr lang="en-US" dirty="0"/>
@@ -3562,7 +3569,7 @@
           <a:p>
             <a:pPr lvl="0"/>
             <a:r>
-              <a:rPr lang="es-ES" smtClean="0"/>
+              <a:rPr lang="es-ES"/>
               <a:t>Haga clic para modificar el estilo de texto del patrón</a:t>
             </a:r>
           </a:p>
@@ -3592,35 +3599,35 @@
           <a:p>
             <a:pPr lvl="0"/>
             <a:r>
-              <a:rPr lang="es-ES" smtClean="0"/>
+              <a:rPr lang="es-ES"/>
               <a:t>Haga clic para modificar el estilo de texto del patrón</a:t>
             </a:r>
           </a:p>
           <a:p>
             <a:pPr lvl="1"/>
             <a:r>
-              <a:rPr lang="es-ES" smtClean="0"/>
+              <a:rPr lang="es-ES"/>
               <a:t>Segundo nivel</a:t>
             </a:r>
           </a:p>
           <a:p>
             <a:pPr lvl="2"/>
             <a:r>
-              <a:rPr lang="es-ES" smtClean="0"/>
+              <a:rPr lang="es-ES"/>
               <a:t>Tercer nivel</a:t>
             </a:r>
           </a:p>
           <a:p>
             <a:pPr lvl="3"/>
             <a:r>
-              <a:rPr lang="es-ES" smtClean="0"/>
+              <a:rPr lang="es-ES"/>
               <a:t>Cuarto nivel</a:t>
             </a:r>
           </a:p>
           <a:p>
             <a:pPr lvl="4"/>
             <a:r>
-              <a:rPr lang="es-ES" smtClean="0"/>
+              <a:rPr lang="es-ES"/>
               <a:t>Quinto nivel</a:t>
             </a:r>
             <a:endParaRPr lang="en-US" dirty="0"/>
@@ -3735,7 +3742,7 @@
           <a:lstStyle/>
           <a:p>
             <a:r>
-              <a:rPr lang="es-ES" smtClean="0"/>
+              <a:rPr lang="es-ES"/>
               <a:t>Haga clic para modificar el estilo de título del patrón</a:t>
             </a:r>
             <a:endParaRPr lang="en-US" dirty="0"/>
@@ -3953,7 +3960,7 @@
           </a:lstStyle>
           <a:p>
             <a:r>
-              <a:rPr lang="es-ES" smtClean="0"/>
+              <a:rPr lang="es-ES"/>
               <a:t>Haga clic para modificar el estilo de título del patrón</a:t>
             </a:r>
             <a:endParaRPr lang="en-US" dirty="0"/>
@@ -3984,35 +3991,35 @@
           <a:p>
             <a:pPr lvl="0"/>
             <a:r>
-              <a:rPr lang="es-ES" smtClean="0"/>
+              <a:rPr lang="es-ES"/>
               <a:t>Haga clic para modificar el estilo de texto del patrón</a:t>
             </a:r>
           </a:p>
           <a:p>
             <a:pPr lvl="1"/>
             <a:r>
-              <a:rPr lang="es-ES" smtClean="0"/>
+              <a:rPr lang="es-ES"/>
               <a:t>Segundo nivel</a:t>
             </a:r>
           </a:p>
           <a:p>
             <a:pPr lvl="2"/>
             <a:r>
-              <a:rPr lang="es-ES" smtClean="0"/>
+              <a:rPr lang="es-ES"/>
               <a:t>Tercer nivel</a:t>
             </a:r>
           </a:p>
           <a:p>
             <a:pPr lvl="3"/>
             <a:r>
-              <a:rPr lang="es-ES" smtClean="0"/>
+              <a:rPr lang="es-ES"/>
               <a:t>Cuarto nivel</a:t>
             </a:r>
           </a:p>
           <a:p>
             <a:pPr lvl="4"/>
             <a:r>
-              <a:rPr lang="es-ES" smtClean="0"/>
+              <a:rPr lang="es-ES"/>
               <a:t>Quinto nivel</a:t>
             </a:r>
             <a:endParaRPr lang="en-US" dirty="0"/>
@@ -4080,7 +4087,7 @@
           <a:p>
             <a:pPr lvl="0"/>
             <a:r>
-              <a:rPr lang="es-ES" smtClean="0"/>
+              <a:rPr lang="es-ES"/>
               <a:t>Haga clic para modificar el estilo de texto del patrón</a:t>
             </a:r>
           </a:p>
@@ -4205,7 +4212,7 @@
           </a:lstStyle>
           <a:p>
             <a:r>
-              <a:rPr lang="es-ES" smtClean="0"/>
+              <a:rPr lang="es-ES"/>
               <a:t>Haga clic para modificar el estilo de título del patrón</a:t>
             </a:r>
             <a:endParaRPr lang="en-US" dirty="0"/>
@@ -4292,7 +4299,7 @@
           </a:lstStyle>
           <a:p>
             <a:r>
-              <a:rPr lang="es-ES" smtClean="0"/>
+              <a:rPr lang="es-ES"/>
               <a:t>Haga clic en el icono para agregar una imagen</a:t>
             </a:r>
             <a:endParaRPr lang="en-US" dirty="0"/>
@@ -4360,7 +4367,7 @@
           <a:p>
             <a:pPr lvl="0"/>
             <a:r>
-              <a:rPr lang="es-ES" smtClean="0"/>
+              <a:rPr lang="es-ES"/>
               <a:t>Haga clic para modificar el estilo de texto del patrón</a:t>
             </a:r>
           </a:p>
@@ -4680,7 +4687,7 @@
           <a:lstStyle/>
           <a:p>
             <a:r>
-              <a:rPr lang="es-ES" smtClean="0"/>
+              <a:rPr lang="es-ES"/>
               <a:t>Haga clic para modificar el estilo de título del patrón</a:t>
             </a:r>
             <a:endParaRPr lang="en-US" dirty="0"/>
@@ -4714,35 +4721,35 @@
           <a:p>
             <a:pPr lvl="0"/>
             <a:r>
-              <a:rPr lang="es-ES" smtClean="0"/>
+              <a:rPr lang="es-ES"/>
               <a:t>Haga clic para modificar el estilo de texto del patrón</a:t>
             </a:r>
           </a:p>
           <a:p>
             <a:pPr lvl="1"/>
             <a:r>
-              <a:rPr lang="es-ES" smtClean="0"/>
+              <a:rPr lang="es-ES"/>
               <a:t>Segundo nivel</a:t>
             </a:r>
           </a:p>
           <a:p>
             <a:pPr lvl="2"/>
             <a:r>
-              <a:rPr lang="es-ES" smtClean="0"/>
+              <a:rPr lang="es-ES"/>
               <a:t>Tercer nivel</a:t>
             </a:r>
           </a:p>
           <a:p>
             <a:pPr lvl="3"/>
             <a:r>
-              <a:rPr lang="es-ES" smtClean="0"/>
+              <a:rPr lang="es-ES"/>
               <a:t>Cuarto nivel</a:t>
             </a:r>
           </a:p>
           <a:p>
             <a:pPr lvl="4"/>
             <a:r>
-              <a:rPr lang="es-ES" smtClean="0"/>
+              <a:rPr lang="es-ES"/>
               <a:t>Quinto nivel</a:t>
             </a:r>
             <a:endParaRPr lang="en-US" dirty="0"/>
@@ -5334,11 +5341,11 @@
           <a:lstStyle/>
           <a:p>
             <a:r>
-              <a:rPr lang="es-ES" dirty="0" smtClean="0"/>
+              <a:rPr lang="es-ES" dirty="0"/>
               <a:t>Angular VS </a:t>
             </a:r>
             <a:r>
-              <a:rPr lang="es-ES" dirty="0" err="1" smtClean="0"/>
+              <a:rPr lang="es-ES" dirty="0" err="1"/>
               <a:t>react</a:t>
             </a:r>
             <a:endParaRPr lang="es-ES" dirty="0"/>
@@ -5363,34 +5370,33 @@
           <a:lstStyle/>
           <a:p>
             <a:r>
-              <a:rPr lang="es-ES" b="1" dirty="0" smtClean="0"/>
+              <a:rPr lang="es-ES" b="1" dirty="0"/>
               <a:t>Carlos Espejo</a:t>
             </a:r>
           </a:p>
           <a:p>
             <a:r>
-              <a:rPr lang="es-ES" b="1" dirty="0" smtClean="0"/>
+              <a:rPr lang="es-ES" b="1" dirty="0"/>
               <a:t>Julio Jiménez</a:t>
             </a:r>
           </a:p>
           <a:p>
             <a:r>
-              <a:rPr lang="es-ES" b="1" dirty="0" smtClean="0"/>
+              <a:rPr lang="es-ES" b="1" dirty="0"/>
               <a:t>Álvaro Pérez</a:t>
             </a:r>
           </a:p>
           <a:p>
             <a:r>
-              <a:rPr lang="es-ES" b="1" dirty="0" smtClean="0"/>
+              <a:rPr lang="es-ES" b="1" dirty="0"/>
               <a:t>Álvaro Herrera</a:t>
             </a:r>
           </a:p>
           <a:p>
             <a:r>
-              <a:rPr lang="es-ES" b="1" dirty="0" smtClean="0"/>
+              <a:rPr lang="es-ES" b="1" dirty="0"/>
               <a:t>Pedro Lanza</a:t>
             </a:r>
-            <a:endParaRPr lang="es-ES" b="1" dirty="0"/>
           </a:p>
         </p:txBody>
       </p:sp>
@@ -5434,6 +5440,198 @@
             <p:ph type="title"/>
           </p:nvPr>
         </p:nvSpPr>
+        <p:spPr>
+          <a:xfrm>
+            <a:off x="557213" y="-127000"/>
+            <a:ext cx="10058400" cy="2743200"/>
+          </a:xfrm>
+        </p:spPr>
+        <p:txBody>
+          <a:bodyPr/>
+          <a:lstStyle/>
+          <a:p>
+            <a:r>
+              <a:rPr lang="es-ES" dirty="0"/>
+              <a:t>Código</a:t>
+            </a:r>
+          </a:p>
+        </p:txBody>
+      </p:sp>
+      <p:pic>
+        <p:nvPicPr>
+          <p:cNvPr id="4" name="Imagen 3"/>
+          <p:cNvPicPr>
+            <a:picLocks noChangeAspect="1"/>
+          </p:cNvPicPr>
+          <p:nvPr/>
+        </p:nvPicPr>
+        <p:blipFill>
+          <a:blip r:embed="rId2"/>
+          <a:stretch>
+            <a:fillRect/>
+          </a:stretch>
+        </p:blipFill>
+        <p:spPr>
+          <a:xfrm>
+            <a:off x="3403600" y="903998"/>
+            <a:ext cx="5613400" cy="5830178"/>
+          </a:xfrm>
+          <a:prstGeom prst="rect">
+            <a:avLst/>
+          </a:prstGeom>
+        </p:spPr>
+      </p:pic>
+      <p:sp>
+        <p:nvSpPr>
+          <p:cNvPr id="3" name="Marcador de texto 2"/>
+          <p:cNvSpPr>
+            <a:spLocks noGrp="1"/>
+          </p:cNvSpPr>
+          <p:nvPr>
+            <p:ph type="body" idx="1"/>
+          </p:nvPr>
+        </p:nvSpPr>
+        <p:spPr/>
+        <p:txBody>
+          <a:bodyPr/>
+          <a:lstStyle/>
+          <a:p>
+            <a:endParaRPr lang="es-ES" dirty="0"/>
+          </a:p>
+        </p:txBody>
+      </p:sp>
+    </p:spTree>
+    <p:extLst>
+      <p:ext uri="{BB962C8B-B14F-4D97-AF65-F5344CB8AC3E}">
+        <p14:creationId xmlns:p14="http://schemas.microsoft.com/office/powerpoint/2010/main" val="2936083591"/>
+      </p:ext>
+    </p:extLst>
+  </p:cSld>
+  <p:clrMapOvr>
+    <a:masterClrMapping/>
+  </p:clrMapOvr>
+</p:sld>
+</file>
+
+<file path=ppt/slides/slide11.xml><?xml version="1.0" encoding="utf-8"?>
+<p:sld xmlns:a="http://schemas.openxmlformats.org/drawingml/2006/main" xmlns:r="http://schemas.openxmlformats.org/officeDocument/2006/relationships" xmlns:p="http://schemas.openxmlformats.org/presentationml/2006/main">
+  <p:cSld>
+    <p:spTree>
+      <p:nvGrpSpPr>
+        <p:cNvPr id="1" name=""/>
+        <p:cNvGrpSpPr/>
+        <p:nvPr/>
+      </p:nvGrpSpPr>
+      <p:grpSpPr>
+        <a:xfrm>
+          <a:off x="0" y="0"/>
+          <a:ext cx="0" cy="0"/>
+          <a:chOff x="0" y="0"/>
+          <a:chExt cx="0" cy="0"/>
+        </a:xfrm>
+      </p:grpSpPr>
+      <p:sp>
+        <p:nvSpPr>
+          <p:cNvPr id="2" name="Título 1"/>
+          <p:cNvSpPr>
+            <a:spLocks noGrp="1"/>
+          </p:cNvSpPr>
+          <p:nvPr>
+            <p:ph type="title"/>
+          </p:nvPr>
+        </p:nvSpPr>
+        <p:spPr/>
+        <p:txBody>
+          <a:bodyPr/>
+          <a:lstStyle/>
+          <a:p>
+            <a:endParaRPr lang="es-ES" dirty="0"/>
+          </a:p>
+        </p:txBody>
+      </p:sp>
+      <p:pic>
+        <p:nvPicPr>
+          <p:cNvPr id="4" name="Imagen 3"/>
+          <p:cNvPicPr>
+            <a:picLocks noChangeAspect="1"/>
+          </p:cNvPicPr>
+          <p:nvPr/>
+        </p:nvPicPr>
+        <p:blipFill>
+          <a:blip r:embed="rId2"/>
+          <a:stretch>
+            <a:fillRect/>
+          </a:stretch>
+        </p:blipFill>
+        <p:spPr>
+          <a:xfrm>
+            <a:off x="3327400" y="295079"/>
+            <a:ext cx="4826000" cy="6267842"/>
+          </a:xfrm>
+          <a:prstGeom prst="rect">
+            <a:avLst/>
+          </a:prstGeom>
+        </p:spPr>
+      </p:pic>
+      <p:sp>
+        <p:nvSpPr>
+          <p:cNvPr id="3" name="Marcador de texto 2"/>
+          <p:cNvSpPr>
+            <a:spLocks noGrp="1"/>
+          </p:cNvSpPr>
+          <p:nvPr>
+            <p:ph type="body" idx="1"/>
+          </p:nvPr>
+        </p:nvSpPr>
+        <p:spPr/>
+        <p:txBody>
+          <a:bodyPr/>
+          <a:lstStyle/>
+          <a:p>
+            <a:endParaRPr lang="es-ES" dirty="0"/>
+          </a:p>
+        </p:txBody>
+      </p:sp>
+    </p:spTree>
+    <p:extLst>
+      <p:ext uri="{BB962C8B-B14F-4D97-AF65-F5344CB8AC3E}">
+        <p14:creationId xmlns:p14="http://schemas.microsoft.com/office/powerpoint/2010/main" val="1790396323"/>
+      </p:ext>
+    </p:extLst>
+  </p:cSld>
+  <p:clrMapOvr>
+    <a:masterClrMapping/>
+  </p:clrMapOvr>
+</p:sld>
+</file>
+
+<file path=ppt/slides/slide12.xml><?xml version="1.0" encoding="utf-8"?>
+<p:sld xmlns:a="http://schemas.openxmlformats.org/drawingml/2006/main" xmlns:r="http://schemas.openxmlformats.org/officeDocument/2006/relationships" xmlns:p="http://schemas.openxmlformats.org/presentationml/2006/main">
+  <p:cSld>
+    <p:spTree>
+      <p:nvGrpSpPr>
+        <p:cNvPr id="1" name=""/>
+        <p:cNvGrpSpPr/>
+        <p:nvPr/>
+      </p:nvGrpSpPr>
+      <p:grpSpPr>
+        <a:xfrm>
+          <a:off x="0" y="0"/>
+          <a:ext cx="0" cy="0"/>
+          <a:chOff x="0" y="0"/>
+          <a:chExt cx="0" cy="0"/>
+        </a:xfrm>
+      </p:grpSpPr>
+      <p:sp>
+        <p:nvSpPr>
+          <p:cNvPr id="2" name="Título 1"/>
+          <p:cNvSpPr>
+            <a:spLocks noGrp="1"/>
+          </p:cNvSpPr>
+          <p:nvPr>
+            <p:ph type="title"/>
+          </p:nvPr>
+        </p:nvSpPr>
         <p:spPr/>
         <p:txBody>
           <a:bodyPr/>
@@ -5532,10 +5730,9 @@
           <a:lstStyle/>
           <a:p>
             <a:r>
-              <a:rPr lang="es-ES" dirty="0" smtClean="0"/>
+              <a:rPr lang="es-ES" dirty="0"/>
               <a:t>Planificación</a:t>
             </a:r>
-            <a:endParaRPr lang="es-ES" dirty="0"/>
           </a:p>
         </p:txBody>
       </p:sp>
@@ -5634,10 +5831,9 @@
           <a:lstStyle/>
           <a:p>
             <a:r>
-              <a:rPr lang="es-ES" dirty="0" smtClean="0"/>
+              <a:rPr lang="es-ES" dirty="0"/>
               <a:t>Requisitos funcionales</a:t>
             </a:r>
-            <a:endParaRPr lang="es-ES" dirty="0"/>
           </a:p>
         </p:txBody>
       </p:sp>
@@ -5764,31 +5960,19 @@
           <a:p>
             <a:r>
               <a:rPr lang="es-ES" b="1" dirty="0"/>
-              <a:t>Criterio 1: Tiempo de </a:t>
-            </a:r>
-            <a:r>
-              <a:rPr lang="es-ES" b="1" dirty="0" smtClean="0"/>
-              <a:t>instalación</a:t>
+              <a:t>Criterio 1: Tiempo de instalación</a:t>
             </a:r>
           </a:p>
           <a:p>
             <a:r>
               <a:rPr lang="es-ES" b="1" dirty="0"/>
-              <a:t>Criterio 2: Base de </a:t>
-            </a:r>
-            <a:r>
-              <a:rPr lang="es-ES" b="1" dirty="0" smtClean="0"/>
-              <a:t>Datos</a:t>
+              <a:t>Criterio 2: Base de Datos</a:t>
             </a:r>
           </a:p>
           <a:p>
             <a:r>
               <a:rPr lang="es-ES" b="1" dirty="0"/>
-              <a:t>Criterio 3: Líneas de </a:t>
-            </a:r>
-            <a:r>
-              <a:rPr lang="es-ES" b="1" dirty="0" smtClean="0"/>
-              <a:t>código</a:t>
+              <a:t>Criterio 3: Líneas de código</a:t>
             </a:r>
           </a:p>
           <a:p>
@@ -5796,7 +5980,6 @@
               <a:rPr lang="es-ES" b="1" dirty="0"/>
               <a:t>Criterio 4: Facilidad de aprendizaje</a:t>
             </a:r>
-            <a:endParaRPr lang="es-ES" b="1" dirty="0"/>
           </a:p>
         </p:txBody>
       </p:sp>
@@ -5849,7 +6032,6 @@
               <a:rPr lang="es-ES" dirty="0"/>
               <a:t>Comparación de las dos implementaciones</a:t>
             </a:r>
-            <a:endParaRPr lang="es-ES" dirty="0"/>
           </a:p>
         </p:txBody>
       </p:sp>
@@ -5961,7 +6143,7 @@
         </p:nvGraphicFramePr>
         <p:xfrm>
           <a:off x="684213" y="1333500"/>
-          <a:ext cx="10056813" cy="4781390"/>
+          <a:ext cx="10056813" cy="4846541"/>
         </p:xfrm>
         <a:graphic>
           <a:graphicData uri="http://schemas.openxmlformats.org/drawingml/2006/table">
@@ -5970,10 +6152,34 @@
                 <a:tableStyleId>{5C22544A-7EE6-4342-B048-85BDC9FD1C3A}</a:tableStyleId>
               </a:tblPr>
               <a:tblGrid>
-                <a:gridCol w="1422929"/>
-                <a:gridCol w="2139427"/>
-                <a:gridCol w="2342806"/>
-                <a:gridCol w="4151651"/>
+                <a:gridCol w="1422929">
+                  <a:extLst>
+                    <a:ext uri="{9D8B030D-6E8A-4147-A177-3AD203B41FA5}">
+                      <a16:colId xmlns:a16="http://schemas.microsoft.com/office/drawing/2014/main" val="20000"/>
+                    </a:ext>
+                  </a:extLst>
+                </a:gridCol>
+                <a:gridCol w="2139427">
+                  <a:extLst>
+                    <a:ext uri="{9D8B030D-6E8A-4147-A177-3AD203B41FA5}">
+                      <a16:colId xmlns:a16="http://schemas.microsoft.com/office/drawing/2014/main" val="20001"/>
+                    </a:ext>
+                  </a:extLst>
+                </a:gridCol>
+                <a:gridCol w="2342806">
+                  <a:extLst>
+                    <a:ext uri="{9D8B030D-6E8A-4147-A177-3AD203B41FA5}">
+                      <a16:colId xmlns:a16="http://schemas.microsoft.com/office/drawing/2014/main" val="20002"/>
+                    </a:ext>
+                  </a:extLst>
+                </a:gridCol>
+                <a:gridCol w="4151651">
+                  <a:extLst>
+                    <a:ext uri="{9D8B030D-6E8A-4147-A177-3AD203B41FA5}">
+                      <a16:colId xmlns:a16="http://schemas.microsoft.com/office/drawing/2014/main" val="20003"/>
+                    </a:ext>
+                  </a:extLst>
+                </a:gridCol>
               </a:tblGrid>
               <a:tr h="494494">
                 <a:tc>
@@ -6092,6 +6298,11 @@
                   </a:txBody>
                   <a:tcPr marL="65865" marR="65865" marT="0" marB="0"/>
                 </a:tc>
+                <a:extLst>
+                  <a:ext uri="{0D108BD9-81ED-4DB2-BD59-A6C34878D82A}">
+                    <a16:rowId xmlns:a16="http://schemas.microsoft.com/office/drawing/2014/main" val="10000"/>
+                  </a:ext>
+                </a:extLst>
               </a:tr>
               <a:tr h="991663">
                 <a:tc>
@@ -6210,6 +6421,11 @@
                   </a:txBody>
                   <a:tcPr marL="65865" marR="65865" marT="0" marB="0"/>
                 </a:tc>
+                <a:extLst>
+                  <a:ext uri="{0D108BD9-81ED-4DB2-BD59-A6C34878D82A}">
+                    <a16:rowId xmlns:a16="http://schemas.microsoft.com/office/drawing/2014/main" val="10001"/>
+                  </a:ext>
+                </a:extLst>
               </a:tr>
               <a:tr h="494494">
                 <a:tc>
@@ -6328,6 +6544,11 @@
                   </a:txBody>
                   <a:tcPr marL="65865" marR="65865" marT="0" marB="0"/>
                 </a:tc>
+                <a:extLst>
+                  <a:ext uri="{0D108BD9-81ED-4DB2-BD59-A6C34878D82A}">
+                    <a16:rowId xmlns:a16="http://schemas.microsoft.com/office/drawing/2014/main" val="10002"/>
+                  </a:ext>
+                </a:extLst>
               </a:tr>
               <a:tr h="1506902">
                 <a:tc>
@@ -6476,6 +6697,11 @@
                   </a:txBody>
                   <a:tcPr marL="65865" marR="65865" marT="0" marB="0"/>
                 </a:tc>
+                <a:extLst>
+                  <a:ext uri="{0D108BD9-81ED-4DB2-BD59-A6C34878D82A}">
+                    <a16:rowId xmlns:a16="http://schemas.microsoft.com/office/drawing/2014/main" val="10003"/>
+                  </a:ext>
+                </a:extLst>
               </a:tr>
               <a:tr h="991663">
                 <a:tc>
@@ -6606,6 +6832,11 @@
                   </a:txBody>
                   <a:tcPr marL="65865" marR="65865" marT="0" marB="0"/>
                 </a:tc>
+                <a:extLst>
+                  <a:ext uri="{0D108BD9-81ED-4DB2-BD59-A6C34878D82A}">
+                    <a16:rowId xmlns:a16="http://schemas.microsoft.com/office/drawing/2014/main" val="10004"/>
+                  </a:ext>
+                </a:extLst>
               </a:tr>
             </a:tbl>
           </a:graphicData>
@@ -6749,12 +6980,8 @@
           <a:lstStyle/>
           <a:p>
             <a:r>
-              <a:rPr lang="es-ES" b="1" dirty="0" smtClean="0"/>
-              <a:t>-Instalar </a:t>
-            </a:r>
-            <a:r>
               <a:rPr lang="es-ES" b="1" dirty="0"/>
-              <a:t>el </a:t>
+              <a:t>-Instalar el </a:t>
             </a:r>
             <a:r>
               <a:rPr lang="es-ES" b="1" dirty="0" err="1"/>
@@ -6762,21 +6989,13 @@
             </a:r>
             <a:r>
               <a:rPr lang="es-ES" b="1" dirty="0"/>
-              <a:t> (Versión 4 o superior</a:t>
-            </a:r>
-            <a:r>
-              <a:rPr lang="es-ES" b="1" dirty="0" smtClean="0"/>
-              <a:t>)</a:t>
-            </a:r>
-          </a:p>
-          <a:p>
-            <a:r>
-              <a:rPr lang="es-ES" b="1" dirty="0" smtClean="0"/>
-              <a:t>-Instalar </a:t>
-            </a:r>
+              <a:t> (Versión 4 o superior)</a:t>
+            </a:r>
+          </a:p>
+          <a:p>
             <a:r>
               <a:rPr lang="es-ES" b="1" dirty="0"/>
-              <a:t>librería "</a:t>
+              <a:t>-Instalar librería "</a:t>
             </a:r>
             <a:r>
               <a:rPr lang="es-ES" b="1" dirty="0" err="1"/>
@@ -6795,32 +7014,6 @@
               <a:t> -g </a:t>
             </a:r>
             <a:r>
-              <a:rPr lang="es-ES" b="1" dirty="0" err="1" smtClean="0"/>
-              <a:t>create</a:t>
-            </a:r>
-            <a:r>
-              <a:rPr lang="es-ES" b="1" dirty="0" smtClean="0"/>
-              <a:t>-</a:t>
-            </a:r>
-            <a:r>
-              <a:rPr lang="es-ES" b="1" dirty="0" err="1" smtClean="0"/>
-              <a:t>react</a:t>
-            </a:r>
-            <a:r>
-              <a:rPr lang="es-ES" b="1" dirty="0" smtClean="0"/>
-              <a:t>-app“</a:t>
-            </a:r>
-          </a:p>
-          <a:p>
-            <a:r>
-              <a:rPr lang="es-ES" b="1" dirty="0" smtClean="0"/>
-              <a:t>-Crear </a:t>
-            </a:r>
-            <a:r>
-              <a:rPr lang="es-ES" b="1" dirty="0"/>
-              <a:t>proyecto "</a:t>
-            </a:r>
-            <a:r>
               <a:rPr lang="es-ES" b="1" dirty="0" err="1"/>
               <a:t>create</a:t>
             </a:r>
@@ -6834,21 +7027,35 @@
             </a:r>
             <a:r>
               <a:rPr lang="es-ES" b="1" dirty="0"/>
-              <a:t>-app </a:t>
-            </a:r>
-            <a:r>
-              <a:rPr lang="es-ES" b="1" dirty="0" smtClean="0"/>
-              <a:t>cronometro“</a:t>
-            </a:r>
-          </a:p>
-          <a:p>
-            <a:r>
-              <a:rPr lang="es-ES" b="1" dirty="0" smtClean="0"/>
-              <a:t>-Creación </a:t>
-            </a:r>
+              <a:t>-app“</a:t>
+            </a:r>
+          </a:p>
+          <a:p>
             <a:r>
               <a:rPr lang="es-ES" b="1" dirty="0"/>
-              <a:t>de código: archivos </a:t>
+              <a:t>-Crear proyecto "</a:t>
+            </a:r>
+            <a:r>
+              <a:rPr lang="es-ES" b="1" dirty="0" err="1"/>
+              <a:t>create</a:t>
+            </a:r>
+            <a:r>
+              <a:rPr lang="es-ES" b="1" dirty="0"/>
+              <a:t>-</a:t>
+            </a:r>
+            <a:r>
+              <a:rPr lang="es-ES" b="1" dirty="0" err="1"/>
+              <a:t>react</a:t>
+            </a:r>
+            <a:r>
+              <a:rPr lang="es-ES" b="1" dirty="0"/>
+              <a:t>-app cronometro“</a:t>
+            </a:r>
+          </a:p>
+          <a:p>
+            <a:r>
+              <a:rPr lang="es-ES" b="1" dirty="0"/>
+              <a:t>-Creación de código: archivos </a:t>
             </a:r>
             <a:r>
               <a:rPr lang="es-ES" b="1" dirty="0" err="1"/>
@@ -6867,10 +7074,10 @@
               <a:t> e </a:t>
             </a:r>
             <a:r>
-              <a:rPr lang="es-ES" b="1" dirty="0" err="1" smtClean="0"/>
+              <a:rPr lang="es-ES" b="1" dirty="0" err="1"/>
               <a:t>index</a:t>
             </a:r>
-            <a:endParaRPr lang="es-ES" b="1" dirty="0" smtClean="0"/>
+            <a:endParaRPr lang="es-ES" b="1" dirty="0"/>
           </a:p>
           <a:p>
             <a:r>
@@ -6920,7 +7127,7 @@
       </p:grpSpPr>
       <p:sp>
         <p:nvSpPr>
-          <p:cNvPr id="2" name="Título 1"/>
+          <p:cNvPr id="6" name="Título 1"/>
           <p:cNvSpPr>
             <a:spLocks noGrp="1"/>
           </p:cNvSpPr>
@@ -6930,8 +7137,8 @@
         </p:nvSpPr>
         <p:spPr>
           <a:xfrm>
-            <a:off x="557213" y="-127000"/>
-            <a:ext cx="10058400" cy="2743200"/>
+            <a:off x="542698" y="348343"/>
+            <a:ext cx="10058400" cy="1110343"/>
           </a:xfrm>
         </p:spPr>
         <p:txBody>
@@ -6940,14 +7147,14 @@
           <a:p>
             <a:r>
               <a:rPr lang="es-ES" dirty="0"/>
-              <a:t>Código</a:t>
+              <a:t>Lo que buscamos..</a:t>
             </a:r>
           </a:p>
         </p:txBody>
       </p:sp>
       <p:pic>
         <p:nvPicPr>
-          <p:cNvPr id="4" name="Imagen 3"/>
+          <p:cNvPr id="7" name="Imagen 6"/>
           <p:cNvPicPr>
             <a:picLocks noChangeAspect="1"/>
           </p:cNvPicPr>
@@ -6961,37 +7168,18 @@
         </p:blipFill>
         <p:spPr>
           <a:xfrm>
-            <a:off x="3403600" y="903998"/>
-            <a:ext cx="5613400" cy="5830178"/>
+            <a:off x="2085975" y="1552575"/>
+            <a:ext cx="8020050" cy="3752850"/>
           </a:xfrm>
           <a:prstGeom prst="rect">
             <a:avLst/>
           </a:prstGeom>
         </p:spPr>
       </p:pic>
-      <p:sp>
-        <p:nvSpPr>
-          <p:cNvPr id="3" name="Marcador de texto 2"/>
-          <p:cNvSpPr>
-            <a:spLocks noGrp="1"/>
-          </p:cNvSpPr>
-          <p:nvPr>
-            <p:ph type="body" idx="1"/>
-          </p:nvPr>
-        </p:nvSpPr>
-        <p:spPr/>
-        <p:txBody>
-          <a:bodyPr/>
-          <a:lstStyle/>
-          <a:p>
-            <a:endParaRPr lang="es-ES" dirty="0"/>
-          </a:p>
-        </p:txBody>
-      </p:sp>
     </p:spTree>
     <p:extLst>
       <p:ext uri="{BB962C8B-B14F-4D97-AF65-F5344CB8AC3E}">
-        <p14:creationId xmlns:p14="http://schemas.microsoft.com/office/powerpoint/2010/main" val="2936083591"/>
+        <p14:creationId xmlns:p14="http://schemas.microsoft.com/office/powerpoint/2010/main" val="4191677856"/>
       </p:ext>
     </p:extLst>
   </p:cSld>
@@ -7020,7 +7208,7 @@
       </p:grpSpPr>
       <p:sp>
         <p:nvSpPr>
-          <p:cNvPr id="2" name="Título 1"/>
+          <p:cNvPr id="6" name="Título 1"/>
           <p:cNvSpPr>
             <a:spLocks noGrp="1"/>
           </p:cNvSpPr>
@@ -7028,18 +7216,26 @@
             <p:ph type="title"/>
           </p:nvPr>
         </p:nvSpPr>
-        <p:spPr/>
-        <p:txBody>
-          <a:bodyPr/>
-          <a:lstStyle/>
-          <a:p>
-            <a:endParaRPr lang="es-ES" dirty="0"/>
+        <p:spPr>
+          <a:xfrm>
+            <a:off x="542698" y="348343"/>
+            <a:ext cx="10058400" cy="1110343"/>
+          </a:xfrm>
+        </p:spPr>
+        <p:txBody>
+          <a:bodyPr/>
+          <a:lstStyle/>
+          <a:p>
+            <a:r>
+              <a:rPr lang="es-ES" dirty="0"/>
+              <a:t>Lo que conseguimos..</a:t>
+            </a:r>
           </a:p>
         </p:txBody>
       </p:sp>
       <p:pic>
         <p:nvPicPr>
-          <p:cNvPr id="4" name="Imagen 3"/>
+          <p:cNvPr id="2" name="Imagen 1"/>
           <p:cNvPicPr>
             <a:picLocks noChangeAspect="1"/>
           </p:cNvPicPr>
@@ -7053,37 +7249,18 @@
         </p:blipFill>
         <p:spPr>
           <a:xfrm>
-            <a:off x="3327400" y="295079"/>
-            <a:ext cx="4826000" cy="6267842"/>
+            <a:off x="2777219" y="1589585"/>
+            <a:ext cx="7029450" cy="4432391"/>
           </a:xfrm>
           <a:prstGeom prst="rect">
             <a:avLst/>
           </a:prstGeom>
         </p:spPr>
       </p:pic>
-      <p:sp>
-        <p:nvSpPr>
-          <p:cNvPr id="3" name="Marcador de texto 2"/>
-          <p:cNvSpPr>
-            <a:spLocks noGrp="1"/>
-          </p:cNvSpPr>
-          <p:nvPr>
-            <p:ph type="body" idx="1"/>
-          </p:nvPr>
-        </p:nvSpPr>
-        <p:spPr/>
-        <p:txBody>
-          <a:bodyPr/>
-          <a:lstStyle/>
-          <a:p>
-            <a:endParaRPr lang="es-ES" dirty="0"/>
-          </a:p>
-        </p:txBody>
-      </p:sp>
     </p:spTree>
     <p:extLst>
       <p:ext uri="{BB962C8B-B14F-4D97-AF65-F5344CB8AC3E}">
-        <p14:creationId xmlns:p14="http://schemas.microsoft.com/office/powerpoint/2010/main" val="1790396323"/>
+        <p14:creationId xmlns:p14="http://schemas.microsoft.com/office/powerpoint/2010/main" val="1604719194"/>
       </p:ext>
     </p:extLst>
   </p:cSld>
